--- a/Tugas 1/basic python.pptx
+++ b/Tugas 1/basic python.pptx
@@ -37,6 +37,11 @@
     <p:sldId id="271" r:id="rId31"/>
     <p:sldId id="272" r:id="rId32"/>
     <p:sldId id="273" r:id="rId33"/>
+    <p:sldId id="288" r:id="rId34"/>
+    <p:sldId id="289" r:id="rId35"/>
+    <p:sldId id="290" r:id="rId36"/>
+    <p:sldId id="291" r:id="rId37"/>
+    <p:sldId id="292" r:id="rId38"/>
   </p:sldIdLst>
   <p:sldSz cx="12192000" cy="6858000"/>
   <p:notesSz cx="6858000" cy="9144000"/>
@@ -332,7 +337,7 @@
             <a:fld id="{B61BEF0D-F0BB-DE4B-95CE-6DB70DBA9567}" type="datetimeFigureOut">
               <a:rPr lang="en-US" dirty="0"/>
               <a:pPr/>
-              <a:t>3/23/2019</a:t>
+              <a:t>3/26/2019</a:t>
             </a:fld>
             <a:endParaRPr lang="en-US" dirty="0"/>
           </a:p>
@@ -667,7 +672,7 @@
             <a:fld id="{B61BEF0D-F0BB-DE4B-95CE-6DB70DBA9567}" type="datetimeFigureOut">
               <a:rPr lang="en-US" dirty="0"/>
               <a:pPr/>
-              <a:t>3/23/2019</a:t>
+              <a:t>3/26/2019</a:t>
             </a:fld>
             <a:endParaRPr lang="en-US" dirty="0"/>
           </a:p>
@@ -1065,7 +1070,7 @@
             <a:fld id="{B61BEF0D-F0BB-DE4B-95CE-6DB70DBA9567}" type="datetimeFigureOut">
               <a:rPr lang="en-US" dirty="0"/>
               <a:pPr/>
-              <a:t>3/23/2019</a:t>
+              <a:t>3/26/2019</a:t>
             </a:fld>
             <a:endParaRPr lang="en-US" dirty="0"/>
           </a:p>
@@ -1398,7 +1403,7 @@
             <a:fld id="{B61BEF0D-F0BB-DE4B-95CE-6DB70DBA9567}" type="datetimeFigureOut">
               <a:rPr lang="en-US" dirty="0"/>
               <a:pPr/>
-              <a:t>3/23/2019</a:t>
+              <a:t>3/26/2019</a:t>
             </a:fld>
             <a:endParaRPr lang="en-US" dirty="0"/>
           </a:p>
@@ -1715,7 +1720,7 @@
             <a:fld id="{B61BEF0D-F0BB-DE4B-95CE-6DB70DBA9567}" type="datetimeFigureOut">
               <a:rPr lang="en-US" dirty="0"/>
               <a:pPr/>
-              <a:t>3/23/2019</a:t>
+              <a:t>3/26/2019</a:t>
             </a:fld>
             <a:endParaRPr lang="en-US" dirty="0"/>
           </a:p>
@@ -2108,7 +2113,7 @@
             <a:fld id="{B61BEF0D-F0BB-DE4B-95CE-6DB70DBA9567}" type="datetimeFigureOut">
               <a:rPr lang="en-US" dirty="0"/>
               <a:pPr/>
-              <a:t>3/23/2019</a:t>
+              <a:t>3/26/2019</a:t>
             </a:fld>
             <a:endParaRPr lang="en-US" dirty="0"/>
           </a:p>
@@ -2362,7 +2367,7 @@
             <a:fld id="{B61BEF0D-F0BB-DE4B-95CE-6DB70DBA9567}" type="datetimeFigureOut">
               <a:rPr lang="en-US" dirty="0"/>
               <a:pPr/>
-              <a:t>3/23/2019</a:t>
+              <a:t>3/26/2019</a:t>
             </a:fld>
             <a:endParaRPr lang="en-US" dirty="0"/>
           </a:p>
@@ -2621,7 +2626,7 @@
             <a:fld id="{B61BEF0D-F0BB-DE4B-95CE-6DB70DBA9567}" type="datetimeFigureOut">
               <a:rPr lang="en-US" dirty="0"/>
               <a:pPr/>
-              <a:t>3/23/2019</a:t>
+              <a:t>3/26/2019</a:t>
             </a:fld>
             <a:endParaRPr lang="en-US" dirty="0"/>
           </a:p>
@@ -2880,7 +2885,7 @@
             <a:fld id="{B61BEF0D-F0BB-DE4B-95CE-6DB70DBA9567}" type="datetimeFigureOut">
               <a:rPr lang="en-US" dirty="0"/>
               <a:pPr/>
-              <a:t>3/23/2019</a:t>
+              <a:t>3/26/2019</a:t>
             </a:fld>
             <a:endParaRPr lang="en-US" dirty="0"/>
           </a:p>
@@ -3206,7 +3211,7 @@
             <a:fld id="{B61BEF0D-F0BB-DE4B-95CE-6DB70DBA9567}" type="datetimeFigureOut">
               <a:rPr lang="en-US" dirty="0"/>
               <a:pPr/>
-              <a:t>3/23/2019</a:t>
+              <a:t>3/26/2019</a:t>
             </a:fld>
             <a:endParaRPr lang="en-US" dirty="0"/>
           </a:p>
@@ -3526,7 +3531,7 @@
             <a:fld id="{B61BEF0D-F0BB-DE4B-95CE-6DB70DBA9567}" type="datetimeFigureOut">
               <a:rPr lang="en-US" dirty="0"/>
               <a:pPr/>
-              <a:t>3/23/2019</a:t>
+              <a:t>3/26/2019</a:t>
             </a:fld>
             <a:endParaRPr lang="en-US" dirty="0"/>
           </a:p>
@@ -3980,7 +3985,7 @@
             <a:fld id="{B61BEF0D-F0BB-DE4B-95CE-6DB70DBA9567}" type="datetimeFigureOut">
               <a:rPr lang="en-US" dirty="0"/>
               <a:pPr/>
-              <a:t>3/23/2019</a:t>
+              <a:t>3/26/2019</a:t>
             </a:fld>
             <a:endParaRPr lang="en-US" dirty="0"/>
           </a:p>
@@ -4182,7 +4187,7 @@
             <a:fld id="{B61BEF0D-F0BB-DE4B-95CE-6DB70DBA9567}" type="datetimeFigureOut">
               <a:rPr lang="en-US" dirty="0"/>
               <a:pPr/>
-              <a:t>3/23/2019</a:t>
+              <a:t>3/26/2019</a:t>
             </a:fld>
             <a:endParaRPr lang="en-US" dirty="0"/>
           </a:p>
@@ -4356,7 +4361,7 @@
             <a:fld id="{B61BEF0D-F0BB-DE4B-95CE-6DB70DBA9567}" type="datetimeFigureOut">
               <a:rPr lang="en-US" dirty="0"/>
               <a:pPr/>
-              <a:t>3/23/2019</a:t>
+              <a:t>3/26/2019</a:t>
             </a:fld>
             <a:endParaRPr lang="en-US" dirty="0"/>
           </a:p>
@@ -4686,7 +4691,7 @@
             <a:fld id="{B61BEF0D-F0BB-DE4B-95CE-6DB70DBA9567}" type="datetimeFigureOut">
               <a:rPr lang="en-US" dirty="0"/>
               <a:pPr/>
-              <a:t>3/23/2019</a:t>
+              <a:t>3/26/2019</a:t>
             </a:fld>
             <a:endParaRPr lang="en-US" dirty="0"/>
           </a:p>
@@ -5028,7 +5033,7 @@
             <a:fld id="{B61BEF0D-F0BB-DE4B-95CE-6DB70DBA9567}" type="datetimeFigureOut">
               <a:rPr lang="en-US" dirty="0"/>
               <a:pPr/>
-              <a:t>3/23/2019</a:t>
+              <a:t>3/26/2019</a:t>
             </a:fld>
             <a:endParaRPr lang="en-US" dirty="0"/>
           </a:p>
@@ -7142,7 +7147,7 @@
             <a:fld id="{B61BEF0D-F0BB-DE4B-95CE-6DB70DBA9567}" type="datetimeFigureOut">
               <a:rPr lang="en-US" dirty="0"/>
               <a:pPr/>
-              <a:t>3/23/2019</a:t>
+              <a:t>3/26/2019</a:t>
             </a:fld>
             <a:endParaRPr lang="en-US" dirty="0"/>
           </a:p>
@@ -7687,15 +7692,7 @@
             </a:br>
             <a:r>
               <a:rPr lang="en-US" dirty="0" smtClean="0"/>
-              <a:t>Basic</a:t>
-            </a:r>
-            <a:r>
-              <a:rPr lang="en-US" dirty="0" smtClean="0"/>
-              <a:t> </a:t>
-            </a:r>
-            <a:r>
-              <a:rPr lang="en-US" dirty="0" smtClean="0"/>
-              <a:t>Python</a:t>
+              <a:t>Basic Python</a:t>
             </a:r>
             <a:endParaRPr lang="en-US" dirty="0"/>
           </a:p>
@@ -18122,6 +18119,1554 @@
     <p:extLst>
       <p:ext uri="{BB962C8B-B14F-4D97-AF65-F5344CB8AC3E}">
         <p14:creationId xmlns:p14="http://schemas.microsoft.com/office/powerpoint/2010/main" val="1734176035"/>
+      </p:ext>
+    </p:extLst>
+  </p:cSld>
+  <p:clrMapOvr>
+    <a:masterClrMapping/>
+  </p:clrMapOvr>
+</p:sld>
+</file>
+
+<file path=ppt/slides/slide33.xml><?xml version="1.0" encoding="utf-8"?>
+<p:sld xmlns:a="http://schemas.openxmlformats.org/drawingml/2006/main" xmlns:r="http://schemas.openxmlformats.org/officeDocument/2006/relationships" xmlns:p="http://schemas.openxmlformats.org/presentationml/2006/main">
+  <p:cSld>
+    <p:spTree>
+      <p:nvGrpSpPr>
+        <p:cNvPr id="1" name=""/>
+        <p:cNvGrpSpPr/>
+        <p:nvPr/>
+      </p:nvGrpSpPr>
+      <p:grpSpPr>
+        <a:xfrm>
+          <a:off x="0" y="0"/>
+          <a:ext cx="0" cy="0"/>
+          <a:chOff x="0" y="0"/>
+          <a:chExt cx="0" cy="0"/>
+        </a:xfrm>
+      </p:grpSpPr>
+      <p:sp>
+        <p:nvSpPr>
+          <p:cNvPr id="2" name="Title 1"/>
+          <p:cNvSpPr>
+            <a:spLocks noGrp="1"/>
+          </p:cNvSpPr>
+          <p:nvPr>
+            <p:ph type="title"/>
+          </p:nvPr>
+        </p:nvSpPr>
+        <p:spPr/>
+        <p:txBody>
+          <a:bodyPr>
+            <a:normAutofit fontScale="90000"/>
+          </a:bodyPr>
+          <a:lstStyle/>
+          <a:p>
+            <a:r>
+              <a:rPr lang="en-US" b="1" dirty="0" err="1" smtClean="0">
+                <a:solidFill>
+                  <a:schemeClr val="tx1"/>
+                </a:solidFill>
+              </a:rPr>
+              <a:t>Instalasi</a:t>
+            </a:r>
+            <a:r>
+              <a:rPr lang="en-US" b="1" dirty="0" smtClean="0">
+                <a:solidFill>
+                  <a:schemeClr val="tx1"/>
+                </a:solidFill>
+              </a:rPr>
+              <a:t> </a:t>
+            </a:r>
+            <a:r>
+              <a:rPr lang="en-US" b="1" dirty="0" err="1" smtClean="0">
+                <a:solidFill>
+                  <a:schemeClr val="tx1"/>
+                </a:solidFill>
+              </a:rPr>
+              <a:t>Jupyter</a:t>
+            </a:r>
+            <a:r>
+              <a:rPr lang="en-US" b="1" dirty="0" smtClean="0">
+                <a:solidFill>
+                  <a:schemeClr val="tx1"/>
+                </a:solidFill>
+              </a:rPr>
+              <a:t> di Windows</a:t>
+            </a:r>
+            <a:br>
+              <a:rPr lang="en-US" b="1" dirty="0" smtClean="0">
+                <a:solidFill>
+                  <a:schemeClr val="tx1"/>
+                </a:solidFill>
+              </a:rPr>
+            </a:br>
+            <a:r>
+              <a:rPr lang="en-US" b="1" dirty="0" err="1" smtClean="0">
+                <a:solidFill>
+                  <a:schemeClr val="tx1"/>
+                </a:solidFill>
+              </a:rPr>
+              <a:t>menggunakan</a:t>
+            </a:r>
+            <a:r>
+              <a:rPr lang="en-US" b="1" dirty="0" smtClean="0">
+                <a:solidFill>
+                  <a:schemeClr val="tx1"/>
+                </a:solidFill>
+              </a:rPr>
+              <a:t> </a:t>
+            </a:r>
+            <a:r>
+              <a:rPr lang="en-US" b="1" dirty="0">
+                <a:solidFill>
+                  <a:schemeClr val="tx1"/>
+                </a:solidFill>
+              </a:rPr>
+              <a:t>pip</a:t>
+            </a:r>
+            <a:r>
+              <a:rPr lang="en-US" dirty="0">
+                <a:solidFill>
+                  <a:schemeClr val="tx1"/>
+                </a:solidFill>
+              </a:rPr>
+              <a:t/>
+            </a:r>
+            <a:br>
+              <a:rPr lang="en-US" dirty="0">
+                <a:solidFill>
+                  <a:schemeClr val="tx1"/>
+                </a:solidFill>
+              </a:rPr>
+            </a:br>
+            <a:endParaRPr lang="en-US" dirty="0">
+              <a:solidFill>
+                <a:schemeClr val="tx1"/>
+              </a:solidFill>
+            </a:endParaRPr>
+          </a:p>
+        </p:txBody>
+      </p:sp>
+      <p:sp>
+        <p:nvSpPr>
+          <p:cNvPr id="3" name="Content Placeholder 2"/>
+          <p:cNvSpPr>
+            <a:spLocks noGrp="1"/>
+          </p:cNvSpPr>
+          <p:nvPr>
+            <p:ph idx="1"/>
+          </p:nvPr>
+        </p:nvSpPr>
+        <p:spPr/>
+        <p:txBody>
+          <a:bodyPr/>
+          <a:lstStyle/>
+          <a:p>
+            <a:pPr fontAlgn="base"/>
+            <a:r>
+              <a:rPr lang="en-US" dirty="0" err="1"/>
+              <a:t>Untuk</a:t>
+            </a:r>
+            <a:r>
+              <a:rPr lang="en-US" dirty="0"/>
+              <a:t> </a:t>
+            </a:r>
+            <a:r>
+              <a:rPr lang="en-US" dirty="0" err="1"/>
+              <a:t>melakukan</a:t>
+            </a:r>
+            <a:r>
+              <a:rPr lang="en-US" dirty="0"/>
+              <a:t> </a:t>
+            </a:r>
+            <a:r>
+              <a:rPr lang="en-US" dirty="0" err="1"/>
+              <a:t>instalasi</a:t>
+            </a:r>
+            <a:r>
+              <a:rPr lang="en-US" dirty="0"/>
+              <a:t> </a:t>
+            </a:r>
+            <a:r>
+              <a:rPr lang="en-US" dirty="0" err="1"/>
+              <a:t>jupyter</a:t>
+            </a:r>
+            <a:r>
+              <a:rPr lang="en-US" dirty="0"/>
+              <a:t> di windows </a:t>
+            </a:r>
+            <a:r>
+              <a:rPr lang="en-US" dirty="0" err="1"/>
+              <a:t>menggunakan</a:t>
+            </a:r>
+            <a:r>
+              <a:rPr lang="en-US" dirty="0"/>
+              <a:t> pip, </a:t>
+            </a:r>
+            <a:r>
+              <a:rPr lang="en-US" dirty="0" err="1"/>
+              <a:t>pastikan</a:t>
+            </a:r>
+            <a:r>
+              <a:rPr lang="en-US" dirty="0"/>
+              <a:t> </a:t>
+            </a:r>
+            <a:r>
+              <a:rPr lang="en-US" dirty="0" err="1"/>
+              <a:t>terlebih</a:t>
+            </a:r>
+            <a:r>
+              <a:rPr lang="en-US" dirty="0"/>
+              <a:t> </a:t>
+            </a:r>
+            <a:r>
+              <a:rPr lang="en-US" dirty="0" err="1"/>
+              <a:t>dahulu</a:t>
+            </a:r>
+            <a:r>
+              <a:rPr lang="en-US" dirty="0"/>
+              <a:t> </a:t>
+            </a:r>
+            <a:r>
+              <a:rPr lang="en-US" dirty="0" err="1"/>
+              <a:t>telah</a:t>
+            </a:r>
+            <a:r>
+              <a:rPr lang="en-US" dirty="0"/>
+              <a:t> </a:t>
+            </a:r>
+            <a:r>
+              <a:rPr lang="en-US" dirty="0" err="1" smtClean="0"/>
+              <a:t>melakukan</a:t>
+            </a:r>
+            <a:r>
+              <a:rPr lang="en-US" dirty="0"/>
+              <a:t> </a:t>
+            </a:r>
+            <a:r>
+              <a:rPr lang="en-US" dirty="0" err="1">
+                <a:hlinkClick r:id="rId2"/>
+              </a:rPr>
+              <a:t>instalasi</a:t>
+            </a:r>
+            <a:r>
+              <a:rPr lang="en-US" dirty="0">
+                <a:hlinkClick r:id="rId2"/>
+              </a:rPr>
+              <a:t> python di windows</a:t>
+            </a:r>
+            <a:r>
+              <a:rPr lang="en-US" dirty="0"/>
+              <a:t>. </a:t>
+            </a:r>
+            <a:r>
+              <a:rPr lang="en-US" dirty="0" err="1"/>
+              <a:t>Setelah</a:t>
+            </a:r>
+            <a:r>
+              <a:rPr lang="en-US" dirty="0"/>
+              <a:t> </a:t>
+            </a:r>
+            <a:r>
+              <a:rPr lang="en-US" dirty="0" err="1"/>
+              <a:t>terinstall</a:t>
+            </a:r>
+            <a:r>
+              <a:rPr lang="en-US" dirty="0"/>
+              <a:t> </a:t>
+            </a:r>
+            <a:r>
+              <a:rPr lang="en-US" dirty="0" err="1"/>
+              <a:t>pythonnya</a:t>
+            </a:r>
+            <a:r>
+              <a:rPr lang="en-US" dirty="0"/>
+              <a:t>, </a:t>
+            </a:r>
+            <a:r>
+              <a:rPr lang="en-US" dirty="0" err="1"/>
+              <a:t>silahkan</a:t>
+            </a:r>
+            <a:r>
+              <a:rPr lang="en-US" dirty="0"/>
+              <a:t> </a:t>
+            </a:r>
+            <a:r>
+              <a:rPr lang="en-US" dirty="0" err="1"/>
+              <a:t>jalankan</a:t>
+            </a:r>
+            <a:r>
+              <a:rPr lang="en-US" dirty="0"/>
+              <a:t> command </a:t>
+            </a:r>
+            <a:r>
+              <a:rPr lang="en-US" dirty="0" err="1"/>
+              <a:t>dibawah</a:t>
+            </a:r>
+            <a:r>
+              <a:rPr lang="en-US" dirty="0"/>
+              <a:t> </a:t>
+            </a:r>
+            <a:r>
+              <a:rPr lang="en-US" dirty="0" err="1"/>
+              <a:t>ini</a:t>
+            </a:r>
+            <a:r>
+              <a:rPr lang="en-US" dirty="0"/>
+              <a:t>:</a:t>
+            </a:r>
+          </a:p>
+          <a:p>
+            <a:pPr fontAlgn="base"/>
+            <a:r>
+              <a:rPr lang="en-US" dirty="0" err="1"/>
+              <a:t>Untuk</a:t>
+            </a:r>
+            <a:r>
+              <a:rPr lang="en-US" dirty="0"/>
+              <a:t> yang </a:t>
+            </a:r>
+            <a:r>
+              <a:rPr lang="en-US" dirty="0" err="1"/>
+              <a:t>menggunakan</a:t>
+            </a:r>
+            <a:r>
+              <a:rPr lang="en-US" dirty="0"/>
+              <a:t> python </a:t>
+            </a:r>
+            <a:r>
+              <a:rPr lang="en-US" dirty="0" err="1"/>
+              <a:t>versi</a:t>
+            </a:r>
+            <a:r>
+              <a:rPr lang="en-US" dirty="0"/>
+              <a:t> 3 (</a:t>
+            </a:r>
+            <a:r>
+              <a:rPr lang="en-US" dirty="0" err="1"/>
+              <a:t>Direkomendasikan</a:t>
+            </a:r>
+            <a:r>
+              <a:rPr lang="en-US" dirty="0" smtClean="0"/>
+              <a:t>)</a:t>
+            </a:r>
+          </a:p>
+          <a:p>
+            <a:pPr fontAlgn="base"/>
+            <a:endParaRPr lang="en-US" dirty="0"/>
+          </a:p>
+          <a:p>
+            <a:pPr fontAlgn="base"/>
+            <a:endParaRPr lang="en-US" dirty="0" smtClean="0"/>
+          </a:p>
+          <a:p>
+            <a:pPr fontAlgn="base"/>
+            <a:r>
+              <a:rPr lang="en-US" dirty="0" err="1"/>
+              <a:t>Untuk</a:t>
+            </a:r>
+            <a:r>
+              <a:rPr lang="en-US" dirty="0"/>
+              <a:t> yang </a:t>
+            </a:r>
+            <a:r>
+              <a:rPr lang="en-US" dirty="0" err="1"/>
+              <a:t>menggunakan</a:t>
+            </a:r>
+            <a:r>
+              <a:rPr lang="en-US" dirty="0"/>
+              <a:t> python </a:t>
+            </a:r>
+            <a:r>
+              <a:rPr lang="en-US" dirty="0" err="1"/>
+              <a:t>versi</a:t>
+            </a:r>
+            <a:r>
+              <a:rPr lang="en-US" dirty="0"/>
+              <a:t> </a:t>
+            </a:r>
+            <a:r>
+              <a:rPr lang="en-US" dirty="0" smtClean="0"/>
+              <a:t>2</a:t>
+            </a:r>
+          </a:p>
+          <a:p>
+            <a:pPr fontAlgn="base"/>
+            <a:endParaRPr lang="en-US" dirty="0"/>
+          </a:p>
+          <a:p>
+            <a:endParaRPr lang="en-US" dirty="0"/>
+          </a:p>
+        </p:txBody>
+      </p:sp>
+      <p:pic>
+        <p:nvPicPr>
+          <p:cNvPr id="7" name="Picture 6"/>
+          <p:cNvPicPr>
+            <a:picLocks noChangeAspect="1"/>
+          </p:cNvPicPr>
+          <p:nvPr/>
+        </p:nvPicPr>
+        <p:blipFill>
+          <a:blip r:embed="rId3"/>
+          <a:stretch>
+            <a:fillRect/>
+          </a:stretch>
+        </p:blipFill>
+        <p:spPr>
+          <a:xfrm>
+            <a:off x="3498039" y="3558192"/>
+            <a:ext cx="3548873" cy="691838"/>
+          </a:xfrm>
+          <a:prstGeom prst="rect">
+            <a:avLst/>
+          </a:prstGeom>
+        </p:spPr>
+      </p:pic>
+      <p:pic>
+        <p:nvPicPr>
+          <p:cNvPr id="8" name="Picture 7"/>
+          <p:cNvPicPr>
+            <a:picLocks noChangeAspect="1"/>
+          </p:cNvPicPr>
+          <p:nvPr/>
+        </p:nvPicPr>
+        <p:blipFill>
+          <a:blip r:embed="rId4"/>
+          <a:stretch>
+            <a:fillRect/>
+          </a:stretch>
+        </p:blipFill>
+        <p:spPr>
+          <a:xfrm>
+            <a:off x="3498039" y="4805181"/>
+            <a:ext cx="3363115" cy="610295"/>
+          </a:xfrm>
+          <a:prstGeom prst="rect">
+            <a:avLst/>
+          </a:prstGeom>
+        </p:spPr>
+      </p:pic>
+    </p:spTree>
+    <p:extLst>
+      <p:ext uri="{BB962C8B-B14F-4D97-AF65-F5344CB8AC3E}">
+        <p14:creationId xmlns:p14="http://schemas.microsoft.com/office/powerpoint/2010/main" val="390586409"/>
+      </p:ext>
+    </p:extLst>
+  </p:cSld>
+  <p:clrMapOvr>
+    <a:masterClrMapping/>
+  </p:clrMapOvr>
+</p:sld>
+</file>
+
+<file path=ppt/slides/slide34.xml><?xml version="1.0" encoding="utf-8"?>
+<p:sld xmlns:a="http://schemas.openxmlformats.org/drawingml/2006/main" xmlns:r="http://schemas.openxmlformats.org/officeDocument/2006/relationships" xmlns:p="http://schemas.openxmlformats.org/presentationml/2006/main">
+  <p:cSld>
+    <p:spTree>
+      <p:nvGrpSpPr>
+        <p:cNvPr id="1" name=""/>
+        <p:cNvGrpSpPr/>
+        <p:nvPr/>
+      </p:nvGrpSpPr>
+      <p:grpSpPr>
+        <a:xfrm>
+          <a:off x="0" y="0"/>
+          <a:ext cx="0" cy="0"/>
+          <a:chOff x="0" y="0"/>
+          <a:chExt cx="0" cy="0"/>
+        </a:xfrm>
+      </p:grpSpPr>
+      <p:sp>
+        <p:nvSpPr>
+          <p:cNvPr id="3" name="Content Placeholder 2"/>
+          <p:cNvSpPr>
+            <a:spLocks noGrp="1"/>
+          </p:cNvSpPr>
+          <p:nvPr>
+            <p:ph idx="1"/>
+          </p:nvPr>
+        </p:nvSpPr>
+        <p:spPr>
+          <a:xfrm>
+            <a:off x="2589212" y="592428"/>
+            <a:ext cx="8915400" cy="5318794"/>
+          </a:xfrm>
+        </p:spPr>
+        <p:txBody>
+          <a:bodyPr/>
+          <a:lstStyle/>
+          <a:p>
+            <a:pPr marL="0" indent="0">
+              <a:buNone/>
+            </a:pPr>
+            <a:r>
+              <a:rPr lang="en-US" dirty="0" err="1"/>
+              <a:t>Setelah</a:t>
+            </a:r>
+            <a:r>
+              <a:rPr lang="en-US" dirty="0"/>
+              <a:t> </a:t>
+            </a:r>
+            <a:r>
+              <a:rPr lang="en-US" dirty="0" err="1"/>
+              <a:t>melakukan</a:t>
+            </a:r>
+            <a:r>
+              <a:rPr lang="en-US" dirty="0"/>
+              <a:t> </a:t>
+            </a:r>
+            <a:r>
+              <a:rPr lang="en-US" dirty="0" err="1"/>
+              <a:t>instalasi</a:t>
+            </a:r>
+            <a:r>
+              <a:rPr lang="en-US" dirty="0"/>
+              <a:t> </a:t>
+            </a:r>
+            <a:r>
+              <a:rPr lang="en-US" dirty="0" err="1"/>
+              <a:t>jupyter</a:t>
+            </a:r>
+            <a:r>
+              <a:rPr lang="en-US" dirty="0"/>
+              <a:t> di windows, </a:t>
+            </a:r>
+            <a:r>
+              <a:rPr lang="en-US" dirty="0" err="1"/>
+              <a:t>pastikan</a:t>
+            </a:r>
+            <a:r>
+              <a:rPr lang="en-US" dirty="0"/>
+              <a:t> </a:t>
+            </a:r>
+            <a:r>
+              <a:rPr lang="en-US" dirty="0" err="1"/>
+              <a:t>tidak</a:t>
+            </a:r>
+            <a:r>
+              <a:rPr lang="en-US" dirty="0"/>
+              <a:t> </a:t>
+            </a:r>
+            <a:r>
+              <a:rPr lang="en-US" dirty="0" err="1"/>
+              <a:t>ada</a:t>
+            </a:r>
+            <a:r>
+              <a:rPr lang="en-US" dirty="0"/>
+              <a:t> error </a:t>
+            </a:r>
+            <a:r>
+              <a:rPr lang="en-US" dirty="0" err="1"/>
+              <a:t>saat</a:t>
+            </a:r>
+            <a:r>
+              <a:rPr lang="en-US" dirty="0"/>
+              <a:t> </a:t>
+            </a:r>
+            <a:r>
+              <a:rPr lang="en-US" dirty="0" err="1"/>
+              <a:t>melakukan</a:t>
+            </a:r>
+            <a:r>
+              <a:rPr lang="en-US" dirty="0"/>
+              <a:t> </a:t>
+            </a:r>
+            <a:r>
+              <a:rPr lang="en-US" dirty="0" err="1"/>
+              <a:t>instalasi</a:t>
+            </a:r>
+            <a:r>
+              <a:rPr lang="en-US" dirty="0"/>
+              <a:t>. </a:t>
+            </a:r>
+            <a:r>
+              <a:rPr lang="en-US" dirty="0" err="1"/>
+              <a:t>Untuk</a:t>
+            </a:r>
+            <a:r>
+              <a:rPr lang="en-US" dirty="0"/>
+              <a:t> </a:t>
+            </a:r>
+            <a:r>
+              <a:rPr lang="en-US" dirty="0" err="1"/>
+              <a:t>mengecek</a:t>
+            </a:r>
+            <a:r>
+              <a:rPr lang="en-US" dirty="0"/>
+              <a:t> </a:t>
+            </a:r>
+            <a:r>
+              <a:rPr lang="en-US" dirty="0" err="1"/>
+              <a:t>jupyter</a:t>
+            </a:r>
+            <a:r>
+              <a:rPr lang="en-US" dirty="0"/>
+              <a:t> </a:t>
+            </a:r>
+            <a:r>
+              <a:rPr lang="en-US" dirty="0" err="1"/>
+              <a:t>telah</a:t>
+            </a:r>
+            <a:r>
+              <a:rPr lang="en-US" dirty="0"/>
+              <a:t> </a:t>
+            </a:r>
+            <a:r>
+              <a:rPr lang="en-US" dirty="0" err="1"/>
+              <a:t>terinstall</a:t>
+            </a:r>
+            <a:r>
+              <a:rPr lang="en-US" dirty="0"/>
+              <a:t>, </a:t>
+            </a:r>
+            <a:r>
+              <a:rPr lang="en-US" dirty="0" err="1"/>
+              <a:t>bisa</a:t>
+            </a:r>
+            <a:r>
+              <a:rPr lang="en-US" dirty="0"/>
+              <a:t> </a:t>
+            </a:r>
+            <a:r>
+              <a:rPr lang="en-US" dirty="0" err="1"/>
+              <a:t>menggunakan</a:t>
+            </a:r>
+            <a:r>
+              <a:rPr lang="en-US" dirty="0"/>
+              <a:t> command </a:t>
+            </a:r>
+            <a:r>
+              <a:rPr lang="en-US" dirty="0" err="1"/>
+              <a:t>pada</a:t>
+            </a:r>
+            <a:r>
+              <a:rPr lang="en-US" dirty="0"/>
+              <a:t> CMD </a:t>
+            </a:r>
+            <a:r>
+              <a:rPr lang="en-US" dirty="0" err="1"/>
+              <a:t>pada</a:t>
+            </a:r>
+            <a:r>
+              <a:rPr lang="en-US" dirty="0"/>
+              <a:t> windows </a:t>
+            </a:r>
+            <a:r>
+              <a:rPr lang="en-US" dirty="0" err="1"/>
+              <a:t>atau</a:t>
+            </a:r>
+            <a:r>
+              <a:rPr lang="en-US" dirty="0"/>
+              <a:t> Terminal di Linux/</a:t>
+            </a:r>
+            <a:r>
+              <a:rPr lang="en-US" dirty="0" err="1"/>
+              <a:t>MacOS</a:t>
+            </a:r>
+            <a:r>
+              <a:rPr lang="en-US" dirty="0"/>
+              <a:t> </a:t>
+            </a:r>
+            <a:r>
+              <a:rPr lang="en-US" dirty="0" err="1"/>
+              <a:t>seperti</a:t>
+            </a:r>
+            <a:r>
+              <a:rPr lang="en-US" dirty="0"/>
+              <a:t> </a:t>
+            </a:r>
+            <a:r>
+              <a:rPr lang="en-US" dirty="0" err="1"/>
+              <a:t>dibawah</a:t>
+            </a:r>
+            <a:r>
+              <a:rPr lang="en-US" dirty="0"/>
+              <a:t> </a:t>
+            </a:r>
+            <a:r>
+              <a:rPr lang="en-US" dirty="0" err="1"/>
+              <a:t>ini</a:t>
+            </a:r>
+            <a:r>
+              <a:rPr lang="en-US" dirty="0" smtClean="0"/>
+              <a:t>:</a:t>
+            </a:r>
+          </a:p>
+          <a:p>
+            <a:pPr marL="0" indent="0">
+              <a:buNone/>
+            </a:pPr>
+            <a:endParaRPr lang="en-US" dirty="0"/>
+          </a:p>
+          <a:p>
+            <a:pPr marL="0" indent="0">
+              <a:buNone/>
+            </a:pPr>
+            <a:endParaRPr lang="en-US" dirty="0" smtClean="0"/>
+          </a:p>
+        </p:txBody>
+      </p:sp>
+      <p:pic>
+        <p:nvPicPr>
+          <p:cNvPr id="4" name="Picture 3"/>
+          <p:cNvPicPr>
+            <a:picLocks noChangeAspect="1"/>
+          </p:cNvPicPr>
+          <p:nvPr/>
+        </p:nvPicPr>
+        <p:blipFill>
+          <a:blip r:embed="rId2"/>
+          <a:stretch>
+            <a:fillRect/>
+          </a:stretch>
+        </p:blipFill>
+        <p:spPr>
+          <a:xfrm>
+            <a:off x="3052828" y="1880918"/>
+            <a:ext cx="2067505" cy="501674"/>
+          </a:xfrm>
+          <a:prstGeom prst="rect">
+            <a:avLst/>
+          </a:prstGeom>
+        </p:spPr>
+      </p:pic>
+      <p:pic>
+        <p:nvPicPr>
+          <p:cNvPr id="5" name="Picture 4"/>
+          <p:cNvPicPr>
+            <a:picLocks noChangeAspect="1"/>
+          </p:cNvPicPr>
+          <p:nvPr/>
+        </p:nvPicPr>
+        <p:blipFill>
+          <a:blip r:embed="rId3"/>
+          <a:stretch>
+            <a:fillRect/>
+          </a:stretch>
+        </p:blipFill>
+        <p:spPr>
+          <a:xfrm>
+            <a:off x="3203218" y="2382592"/>
+            <a:ext cx="6996698" cy="3114809"/>
+          </a:xfrm>
+          <a:prstGeom prst="rect">
+            <a:avLst/>
+          </a:prstGeom>
+        </p:spPr>
+      </p:pic>
+    </p:spTree>
+    <p:extLst>
+      <p:ext uri="{BB962C8B-B14F-4D97-AF65-F5344CB8AC3E}">
+        <p14:creationId xmlns:p14="http://schemas.microsoft.com/office/powerpoint/2010/main" val="3236131480"/>
+      </p:ext>
+    </p:extLst>
+  </p:cSld>
+  <p:clrMapOvr>
+    <a:masterClrMapping/>
+  </p:clrMapOvr>
+</p:sld>
+</file>
+
+<file path=ppt/slides/slide35.xml><?xml version="1.0" encoding="utf-8"?>
+<p:sld xmlns:a="http://schemas.openxmlformats.org/drawingml/2006/main" xmlns:r="http://schemas.openxmlformats.org/officeDocument/2006/relationships" xmlns:p="http://schemas.openxmlformats.org/presentationml/2006/main">
+  <p:cSld>
+    <p:spTree>
+      <p:nvGrpSpPr>
+        <p:cNvPr id="1" name=""/>
+        <p:cNvGrpSpPr/>
+        <p:nvPr/>
+      </p:nvGrpSpPr>
+      <p:grpSpPr>
+        <a:xfrm>
+          <a:off x="0" y="0"/>
+          <a:ext cx="0" cy="0"/>
+          <a:chOff x="0" y="0"/>
+          <a:chExt cx="0" cy="0"/>
+        </a:xfrm>
+      </p:grpSpPr>
+      <p:sp>
+        <p:nvSpPr>
+          <p:cNvPr id="3" name="Content Placeholder 2"/>
+          <p:cNvSpPr>
+            <a:spLocks noGrp="1"/>
+          </p:cNvSpPr>
+          <p:nvPr>
+            <p:ph idx="1"/>
+          </p:nvPr>
+        </p:nvSpPr>
+        <p:spPr>
+          <a:xfrm>
+            <a:off x="2589212" y="940158"/>
+            <a:ext cx="8915400" cy="4971064"/>
+          </a:xfrm>
+        </p:spPr>
+        <p:txBody>
+          <a:bodyPr/>
+          <a:lstStyle/>
+          <a:p>
+            <a:pPr marL="0" indent="0">
+              <a:buNone/>
+            </a:pPr>
+            <a:r>
+              <a:rPr lang="en-US" dirty="0"/>
+              <a:t>Akan </a:t>
+            </a:r>
+            <a:r>
+              <a:rPr lang="en-US" dirty="0" err="1"/>
+              <a:t>muncul</a:t>
+            </a:r>
+            <a:r>
+              <a:rPr lang="en-US" dirty="0"/>
+              <a:t> </a:t>
+            </a:r>
+            <a:r>
+              <a:rPr lang="en-US" dirty="0" err="1"/>
+              <a:t>tampilan</a:t>
+            </a:r>
+            <a:r>
+              <a:rPr lang="en-US" dirty="0"/>
+              <a:t> </a:t>
+            </a:r>
+            <a:r>
+              <a:rPr lang="en-US" dirty="0" err="1"/>
+              <a:t>jupyter</a:t>
+            </a:r>
+            <a:r>
+              <a:rPr lang="en-US" dirty="0"/>
+              <a:t> </a:t>
+            </a:r>
+            <a:r>
+              <a:rPr lang="en-US" dirty="0" err="1"/>
+              <a:t>pada</a:t>
+            </a:r>
+            <a:r>
+              <a:rPr lang="en-US" dirty="0"/>
+              <a:t> browser </a:t>
+            </a:r>
+            <a:r>
+              <a:rPr lang="en-US" dirty="0" err="1"/>
+              <a:t>dengan</a:t>
+            </a:r>
+            <a:r>
+              <a:rPr lang="en-US" dirty="0"/>
+              <a:t> </a:t>
+            </a:r>
+            <a:r>
+              <a:rPr lang="en-US" dirty="0" err="1"/>
+              <a:t>url</a:t>
+            </a:r>
+            <a:r>
+              <a:rPr lang="en-US" dirty="0"/>
+              <a:t> </a:t>
+            </a:r>
+            <a:r>
+              <a:rPr lang="en-US" b="1" dirty="0">
+                <a:hlinkClick r:id="rId2"/>
+              </a:rPr>
+              <a:t>http://</a:t>
+            </a:r>
+            <a:r>
+              <a:rPr lang="en-US" b="1" dirty="0" smtClean="0">
+                <a:hlinkClick r:id="rId2"/>
+              </a:rPr>
+              <a:t>localhost:8888</a:t>
+            </a:r>
+            <a:endParaRPr lang="en-US" b="1" dirty="0" smtClean="0"/>
+          </a:p>
+          <a:p>
+            <a:pPr marL="0" indent="0">
+              <a:buNone/>
+            </a:pPr>
+            <a:endParaRPr lang="en-US" dirty="0"/>
+          </a:p>
+        </p:txBody>
+      </p:sp>
+      <p:pic>
+        <p:nvPicPr>
+          <p:cNvPr id="4" name="Picture 3"/>
+          <p:cNvPicPr>
+            <a:picLocks noChangeAspect="1"/>
+          </p:cNvPicPr>
+          <p:nvPr/>
+        </p:nvPicPr>
+        <p:blipFill>
+          <a:blip r:embed="rId3"/>
+          <a:stretch>
+            <a:fillRect/>
+          </a:stretch>
+        </p:blipFill>
+        <p:spPr>
+          <a:xfrm>
+            <a:off x="3641097" y="1646751"/>
+            <a:ext cx="6175079" cy="3672223"/>
+          </a:xfrm>
+          <a:prstGeom prst="rect">
+            <a:avLst/>
+          </a:prstGeom>
+        </p:spPr>
+      </p:pic>
+    </p:spTree>
+    <p:extLst>
+      <p:ext uri="{BB962C8B-B14F-4D97-AF65-F5344CB8AC3E}">
+        <p14:creationId xmlns:p14="http://schemas.microsoft.com/office/powerpoint/2010/main" val="3966987297"/>
+      </p:ext>
+    </p:extLst>
+  </p:cSld>
+  <p:clrMapOvr>
+    <a:masterClrMapping/>
+  </p:clrMapOvr>
+</p:sld>
+</file>
+
+<file path=ppt/slides/slide36.xml><?xml version="1.0" encoding="utf-8"?>
+<p:sld xmlns:a="http://schemas.openxmlformats.org/drawingml/2006/main" xmlns:r="http://schemas.openxmlformats.org/officeDocument/2006/relationships" xmlns:p="http://schemas.openxmlformats.org/presentationml/2006/main">
+  <p:cSld>
+    <p:spTree>
+      <p:nvGrpSpPr>
+        <p:cNvPr id="1" name=""/>
+        <p:cNvGrpSpPr/>
+        <p:nvPr/>
+      </p:nvGrpSpPr>
+      <p:grpSpPr>
+        <a:xfrm>
+          <a:off x="0" y="0"/>
+          <a:ext cx="0" cy="0"/>
+          <a:chOff x="0" y="0"/>
+          <a:chExt cx="0" cy="0"/>
+        </a:xfrm>
+      </p:grpSpPr>
+      <p:sp>
+        <p:nvSpPr>
+          <p:cNvPr id="3" name="Content Placeholder 2"/>
+          <p:cNvSpPr>
+            <a:spLocks noGrp="1"/>
+          </p:cNvSpPr>
+          <p:nvPr>
+            <p:ph idx="1"/>
+          </p:nvPr>
+        </p:nvSpPr>
+        <p:spPr>
+          <a:xfrm>
+            <a:off x="2589212" y="734096"/>
+            <a:ext cx="8915400" cy="5177126"/>
+          </a:xfrm>
+        </p:spPr>
+        <p:txBody>
+          <a:bodyPr/>
+          <a:lstStyle/>
+          <a:p>
+            <a:pPr marL="0" indent="0">
+              <a:buNone/>
+            </a:pPr>
+            <a:r>
+              <a:rPr lang="en-US" dirty="0" err="1"/>
+              <a:t>Untuk</a:t>
+            </a:r>
+            <a:r>
+              <a:rPr lang="en-US" dirty="0"/>
+              <a:t> </a:t>
+            </a:r>
+            <a:r>
+              <a:rPr lang="en-US" dirty="0" err="1"/>
+              <a:t>membuat</a:t>
+            </a:r>
+            <a:r>
+              <a:rPr lang="en-US" dirty="0"/>
+              <a:t> Notebook </a:t>
+            </a:r>
+            <a:r>
+              <a:rPr lang="en-US" dirty="0" err="1"/>
+              <a:t>dengan</a:t>
+            </a:r>
+            <a:r>
+              <a:rPr lang="en-US" dirty="0"/>
+              <a:t> python, </a:t>
+            </a:r>
+            <a:r>
+              <a:rPr lang="en-US" dirty="0" err="1"/>
+              <a:t>bisa</a:t>
+            </a:r>
+            <a:r>
+              <a:rPr lang="en-US" dirty="0"/>
+              <a:t> </a:t>
+            </a:r>
+            <a:r>
+              <a:rPr lang="en-US" dirty="0" err="1"/>
+              <a:t>memilih</a:t>
+            </a:r>
+            <a:r>
+              <a:rPr lang="en-US" dirty="0"/>
+              <a:t> New -&gt; Python 3 </a:t>
+            </a:r>
+            <a:r>
+              <a:rPr lang="en-US" dirty="0" err="1"/>
+              <a:t>lalu</a:t>
+            </a:r>
+            <a:r>
+              <a:rPr lang="en-US" dirty="0"/>
+              <a:t> </a:t>
+            </a:r>
+            <a:r>
+              <a:rPr lang="en-US" dirty="0" err="1" smtClean="0"/>
+              <a:t>isikan</a:t>
+            </a:r>
+            <a:r>
+              <a:rPr lang="en-US" dirty="0" smtClean="0"/>
+              <a:t> command </a:t>
+            </a:r>
+            <a:r>
+              <a:rPr lang="en-US" dirty="0"/>
+              <a:t>yang </a:t>
+            </a:r>
+            <a:r>
+              <a:rPr lang="en-US" dirty="0" err="1"/>
+              <a:t>ingin</a:t>
+            </a:r>
+            <a:r>
+              <a:rPr lang="en-US" dirty="0"/>
+              <a:t> </a:t>
+            </a:r>
+            <a:r>
+              <a:rPr lang="en-US" dirty="0" err="1" smtClean="0"/>
+              <a:t>diberikan</a:t>
+            </a:r>
+            <a:endParaRPr lang="en-US" dirty="0" smtClean="0"/>
+          </a:p>
+          <a:p>
+            <a:pPr marL="0" indent="0">
+              <a:buNone/>
+            </a:pPr>
+            <a:endParaRPr lang="en-US" dirty="0"/>
+          </a:p>
+        </p:txBody>
+      </p:sp>
+      <p:pic>
+        <p:nvPicPr>
+          <p:cNvPr id="4" name="Picture 3"/>
+          <p:cNvPicPr>
+            <a:picLocks noChangeAspect="1"/>
+          </p:cNvPicPr>
+          <p:nvPr/>
+        </p:nvPicPr>
+        <p:blipFill>
+          <a:blip r:embed="rId2"/>
+          <a:stretch>
+            <a:fillRect/>
+          </a:stretch>
+        </p:blipFill>
+        <p:spPr>
+          <a:xfrm>
+            <a:off x="5927165" y="1636891"/>
+            <a:ext cx="1857375" cy="1781175"/>
+          </a:xfrm>
+          <a:prstGeom prst="rect">
+            <a:avLst/>
+          </a:prstGeom>
+        </p:spPr>
+      </p:pic>
+      <p:pic>
+        <p:nvPicPr>
+          <p:cNvPr id="5" name="Picture 4"/>
+          <p:cNvPicPr>
+            <a:picLocks noChangeAspect="1"/>
+          </p:cNvPicPr>
+          <p:nvPr/>
+        </p:nvPicPr>
+        <p:blipFill>
+          <a:blip r:embed="rId3"/>
+          <a:stretch>
+            <a:fillRect/>
+          </a:stretch>
+        </p:blipFill>
+        <p:spPr>
+          <a:xfrm>
+            <a:off x="3177458" y="3800340"/>
+            <a:ext cx="7361391" cy="1956516"/>
+          </a:xfrm>
+          <a:prstGeom prst="rect">
+            <a:avLst/>
+          </a:prstGeom>
+        </p:spPr>
+      </p:pic>
+    </p:spTree>
+    <p:extLst>
+      <p:ext uri="{BB962C8B-B14F-4D97-AF65-F5344CB8AC3E}">
+        <p14:creationId xmlns:p14="http://schemas.microsoft.com/office/powerpoint/2010/main" val="1081446952"/>
+      </p:ext>
+    </p:extLst>
+  </p:cSld>
+  <p:clrMapOvr>
+    <a:masterClrMapping/>
+  </p:clrMapOvr>
+</p:sld>
+</file>
+
+<file path=ppt/slides/slide37.xml><?xml version="1.0" encoding="utf-8"?>
+<p:sld xmlns:a="http://schemas.openxmlformats.org/drawingml/2006/main" xmlns:r="http://schemas.openxmlformats.org/officeDocument/2006/relationships" xmlns:p="http://schemas.openxmlformats.org/presentationml/2006/main">
+  <p:cSld>
+    <p:spTree>
+      <p:nvGrpSpPr>
+        <p:cNvPr id="1" name=""/>
+        <p:cNvGrpSpPr/>
+        <p:nvPr/>
+      </p:nvGrpSpPr>
+      <p:grpSpPr>
+        <a:xfrm>
+          <a:off x="0" y="0"/>
+          <a:ext cx="0" cy="0"/>
+          <a:chOff x="0" y="0"/>
+          <a:chExt cx="0" cy="0"/>
+        </a:xfrm>
+      </p:grpSpPr>
+      <p:sp>
+        <p:nvSpPr>
+          <p:cNvPr id="2" name="Title 1"/>
+          <p:cNvSpPr>
+            <a:spLocks noGrp="1"/>
+          </p:cNvSpPr>
+          <p:nvPr>
+            <p:ph type="title"/>
+          </p:nvPr>
+        </p:nvSpPr>
+        <p:spPr/>
+        <p:txBody>
+          <a:bodyPr/>
+          <a:lstStyle/>
+          <a:p>
+            <a:r>
+              <a:rPr lang="en-US" dirty="0"/>
+              <a:t>Cara </a:t>
+            </a:r>
+            <a:r>
+              <a:rPr lang="en-US" dirty="0" err="1"/>
+              <a:t>menginstal</a:t>
+            </a:r>
+            <a:r>
+              <a:rPr lang="en-US" dirty="0"/>
+              <a:t> </a:t>
+            </a:r>
+            <a:r>
+              <a:rPr lang="en-US" dirty="0" err="1"/>
+              <a:t>Seaborn</a:t>
+            </a:r>
+            <a:endParaRPr lang="en-US" dirty="0"/>
+          </a:p>
+        </p:txBody>
+      </p:sp>
+      <p:sp>
+        <p:nvSpPr>
+          <p:cNvPr id="3" name="Content Placeholder 2"/>
+          <p:cNvSpPr>
+            <a:spLocks noGrp="1"/>
+          </p:cNvSpPr>
+          <p:nvPr>
+            <p:ph idx="1"/>
+          </p:nvPr>
+        </p:nvSpPr>
+        <p:spPr>
+          <a:xfrm>
+            <a:off x="2589212" y="2133600"/>
+            <a:ext cx="8915400" cy="3919470"/>
+          </a:xfrm>
+        </p:spPr>
+        <p:txBody>
+          <a:bodyPr>
+            <a:normAutofit lnSpcReduction="10000"/>
+          </a:bodyPr>
+          <a:lstStyle/>
+          <a:p>
+            <a:r>
+              <a:rPr lang="en-US" dirty="0" err="1"/>
+              <a:t>Untuk</a:t>
+            </a:r>
+            <a:r>
+              <a:rPr lang="en-US" dirty="0"/>
+              <a:t> </a:t>
+            </a:r>
+            <a:r>
+              <a:rPr lang="en-US" dirty="0" err="1"/>
+              <a:t>menginstal</a:t>
+            </a:r>
+            <a:r>
+              <a:rPr lang="en-US" dirty="0"/>
+              <a:t> </a:t>
+            </a:r>
+            <a:r>
+              <a:rPr lang="en-US" dirty="0" err="1"/>
+              <a:t>Seaborn</a:t>
+            </a:r>
+            <a:r>
+              <a:rPr lang="en-US" dirty="0" smtClean="0"/>
+              <a:t>:</a:t>
+            </a:r>
+          </a:p>
+          <a:p>
+            <a:endParaRPr lang="en-US" dirty="0"/>
+          </a:p>
+          <a:p>
+            <a:endParaRPr lang="en-US" dirty="0" smtClean="0"/>
+          </a:p>
+          <a:p>
+            <a:r>
+              <a:rPr lang="sv-SE" dirty="0"/>
+              <a:t>Hanya perlu satu </a:t>
+            </a:r>
+            <a:r>
+              <a:rPr lang="sv-SE" dirty="0" smtClean="0"/>
+              <a:t>baris (line) </a:t>
+            </a:r>
+            <a:r>
+              <a:rPr lang="sv-SE" dirty="0"/>
+              <a:t>kode untuk Seaborn untuk mengubah plot Anda</a:t>
+            </a:r>
+            <a:r>
+              <a:rPr lang="sv-SE" dirty="0" smtClean="0"/>
+              <a:t>:</a:t>
+            </a:r>
+          </a:p>
+          <a:p>
+            <a:endParaRPr lang="sv-SE" dirty="0"/>
+          </a:p>
+          <a:p>
+            <a:endParaRPr lang="en-US" dirty="0" smtClean="0"/>
+          </a:p>
+          <a:p>
+            <a:r>
+              <a:rPr lang="en-US" dirty="0" err="1" smtClean="0"/>
+              <a:t>Dengan</a:t>
+            </a:r>
+            <a:r>
+              <a:rPr lang="en-US" dirty="0" smtClean="0"/>
+              <a:t> </a:t>
+            </a:r>
+            <a:r>
+              <a:rPr lang="en-US" dirty="0" err="1" smtClean="0"/>
+              <a:t>menggunakn</a:t>
+            </a:r>
+            <a:r>
+              <a:rPr lang="en-US" dirty="0" smtClean="0"/>
+              <a:t> </a:t>
+            </a:r>
+            <a:r>
+              <a:rPr lang="en-US" dirty="0" err="1" smtClean="0"/>
+              <a:t>baris</a:t>
+            </a:r>
+            <a:r>
+              <a:rPr lang="en-US" dirty="0" smtClean="0"/>
+              <a:t> (line) </a:t>
+            </a:r>
+            <a:r>
+              <a:rPr lang="en-US" dirty="0" err="1"/>
+              <a:t>ini</a:t>
+            </a:r>
+            <a:r>
+              <a:rPr lang="en-US" dirty="0" smtClean="0"/>
+              <a:t>, </a:t>
+            </a:r>
+            <a:r>
+              <a:rPr lang="en-US" dirty="0" err="1" smtClean="0"/>
+              <a:t>maka</a:t>
+            </a:r>
+            <a:r>
+              <a:rPr lang="en-US" dirty="0" smtClean="0"/>
+              <a:t> </a:t>
+            </a:r>
+            <a:r>
+              <a:rPr lang="en-US" dirty="0" err="1" smtClean="0"/>
+              <a:t>dapat</a:t>
+            </a:r>
+            <a:r>
+              <a:rPr lang="en-US" dirty="0" smtClean="0"/>
+              <a:t> </a:t>
+            </a:r>
+            <a:r>
+              <a:rPr lang="en-US" dirty="0" err="1" smtClean="0"/>
+              <a:t>mengubah</a:t>
+            </a:r>
+            <a:r>
+              <a:rPr lang="en-US" dirty="0" smtClean="0"/>
+              <a:t> </a:t>
+            </a:r>
+            <a:r>
+              <a:rPr lang="en-US" dirty="0"/>
+              <a:t>font, </a:t>
+            </a:r>
+            <a:r>
+              <a:rPr lang="en-US" dirty="0" err="1"/>
+              <a:t>tata</a:t>
+            </a:r>
+            <a:r>
+              <a:rPr lang="en-US" dirty="0"/>
+              <a:t> </a:t>
+            </a:r>
+            <a:r>
+              <a:rPr lang="en-US" dirty="0" err="1"/>
+              <a:t>letak</a:t>
+            </a:r>
+            <a:r>
+              <a:rPr lang="en-US" dirty="0"/>
+              <a:t> </a:t>
+            </a:r>
+            <a:r>
+              <a:rPr lang="en-US" dirty="0" err="1"/>
+              <a:t>dan</a:t>
+            </a:r>
+            <a:r>
+              <a:rPr lang="en-US" dirty="0"/>
+              <a:t> </a:t>
+            </a:r>
+            <a:r>
+              <a:rPr lang="en-US" dirty="0" err="1"/>
+              <a:t>warna</a:t>
+            </a:r>
+            <a:r>
+              <a:rPr lang="en-US" dirty="0"/>
+              <a:t> yang </a:t>
+            </a:r>
+            <a:r>
+              <a:rPr lang="en-US" dirty="0" err="1"/>
+              <a:t>digunakan</a:t>
+            </a:r>
+            <a:r>
+              <a:rPr lang="en-US" dirty="0"/>
+              <a:t> </a:t>
+            </a:r>
+            <a:r>
+              <a:rPr lang="en-US" dirty="0" err="1"/>
+              <a:t>menghasilkan</a:t>
+            </a:r>
+            <a:r>
+              <a:rPr lang="en-US" dirty="0"/>
+              <a:t> plot yang </a:t>
+            </a:r>
+            <a:r>
+              <a:rPr lang="en-US" dirty="0" err="1"/>
+              <a:t>jauh</a:t>
+            </a:r>
+            <a:r>
+              <a:rPr lang="en-US" dirty="0"/>
+              <a:t> </a:t>
+            </a:r>
+            <a:r>
+              <a:rPr lang="en-US" dirty="0" err="1"/>
+              <a:t>lebih</a:t>
+            </a:r>
+            <a:r>
+              <a:rPr lang="en-US" dirty="0"/>
+              <a:t> </a:t>
+            </a:r>
+            <a:r>
+              <a:rPr lang="en-US" dirty="0" err="1"/>
+              <a:t>menyenangkan</a:t>
+            </a:r>
+            <a:r>
+              <a:rPr lang="en-US" dirty="0"/>
+              <a:t>. </a:t>
+            </a:r>
+            <a:r>
+              <a:rPr lang="en-US" dirty="0" err="1"/>
+              <a:t>Jika</a:t>
+            </a:r>
+            <a:r>
+              <a:rPr lang="en-US" dirty="0"/>
+              <a:t> </a:t>
+            </a:r>
+            <a:r>
+              <a:rPr lang="en-US" dirty="0" err="1"/>
+              <a:t>Anda</a:t>
+            </a:r>
+            <a:r>
+              <a:rPr lang="en-US" dirty="0"/>
+              <a:t> </a:t>
+            </a:r>
+            <a:r>
+              <a:rPr lang="en-US" dirty="0" err="1"/>
+              <a:t>ingin</a:t>
+            </a:r>
+            <a:r>
+              <a:rPr lang="en-US" dirty="0"/>
+              <a:t> </a:t>
+            </a:r>
+            <a:r>
+              <a:rPr lang="en-US" dirty="0" err="1"/>
+              <a:t>melangkah</a:t>
+            </a:r>
+            <a:r>
+              <a:rPr lang="en-US" dirty="0"/>
+              <a:t> </a:t>
+            </a:r>
+            <a:r>
+              <a:rPr lang="en-US" dirty="0" err="1"/>
+              <a:t>lebih</a:t>
+            </a:r>
+            <a:r>
+              <a:rPr lang="en-US" dirty="0"/>
+              <a:t> </a:t>
+            </a:r>
+            <a:r>
+              <a:rPr lang="en-US" dirty="0" err="1"/>
+              <a:t>jauh</a:t>
+            </a:r>
+            <a:r>
+              <a:rPr lang="en-US" dirty="0"/>
+              <a:t>, </a:t>
+            </a:r>
+            <a:r>
+              <a:rPr lang="en-US" dirty="0" err="1"/>
+              <a:t>Anda</a:t>
+            </a:r>
+            <a:r>
+              <a:rPr lang="en-US" dirty="0"/>
+              <a:t> </a:t>
+            </a:r>
+            <a:r>
+              <a:rPr lang="en-US" dirty="0" err="1"/>
+              <a:t>dapat</a:t>
+            </a:r>
+            <a:r>
+              <a:rPr lang="en-US" dirty="0"/>
+              <a:t> </a:t>
+            </a:r>
+            <a:r>
+              <a:rPr lang="en-US" dirty="0" err="1"/>
+              <a:t>menggunakan</a:t>
+            </a:r>
+            <a:r>
+              <a:rPr lang="en-US" dirty="0"/>
+              <a:t> </a:t>
+            </a:r>
+            <a:r>
+              <a:rPr lang="en-US" dirty="0" err="1"/>
+              <a:t>Seaborn</a:t>
+            </a:r>
+            <a:r>
+              <a:rPr lang="en-US" dirty="0"/>
+              <a:t> </a:t>
+            </a:r>
+            <a:r>
+              <a:rPr lang="en-US" dirty="0" err="1"/>
+              <a:t>untuk</a:t>
+            </a:r>
+            <a:r>
+              <a:rPr lang="en-US" dirty="0"/>
+              <a:t> </a:t>
+            </a:r>
+            <a:r>
+              <a:rPr lang="en-US" dirty="0" err="1"/>
+              <a:t>menggunakan</a:t>
+            </a:r>
+            <a:r>
+              <a:rPr lang="en-US" dirty="0"/>
+              <a:t> </a:t>
+            </a:r>
+            <a:r>
+              <a:rPr lang="en-US" dirty="0" err="1"/>
+              <a:t>palet</a:t>
+            </a:r>
+            <a:r>
+              <a:rPr lang="en-US" dirty="0"/>
+              <a:t> </a:t>
+            </a:r>
+            <a:r>
+              <a:rPr lang="en-US" dirty="0" err="1"/>
+              <a:t>warna</a:t>
+            </a:r>
+            <a:r>
+              <a:rPr lang="en-US" dirty="0"/>
+              <a:t> yang </a:t>
+            </a:r>
+            <a:r>
+              <a:rPr lang="en-US" dirty="0" err="1"/>
+              <a:t>indah</a:t>
+            </a:r>
+            <a:r>
+              <a:rPr lang="en-US" dirty="0"/>
+              <a:t> </a:t>
+            </a:r>
+            <a:r>
+              <a:rPr lang="en-US" dirty="0" err="1"/>
+              <a:t>dan</a:t>
+            </a:r>
+            <a:r>
+              <a:rPr lang="en-US" dirty="0"/>
+              <a:t> </a:t>
+            </a:r>
+            <a:r>
+              <a:rPr lang="en-US" dirty="0" err="1"/>
+              <a:t>fitur</a:t>
+            </a:r>
+            <a:r>
+              <a:rPr lang="en-US" dirty="0"/>
+              <a:t> </a:t>
+            </a:r>
+            <a:r>
+              <a:rPr lang="en-US" dirty="0" err="1" smtClean="0"/>
+              <a:t>lainnya</a:t>
+            </a:r>
+            <a:r>
+              <a:rPr lang="en-US" dirty="0" smtClean="0"/>
+              <a:t>. </a:t>
+            </a:r>
+          </a:p>
+          <a:p>
+            <a:endParaRPr lang="en-US" dirty="0"/>
+          </a:p>
+        </p:txBody>
+      </p:sp>
+      <p:pic>
+        <p:nvPicPr>
+          <p:cNvPr id="4" name="Picture 3"/>
+          <p:cNvPicPr>
+            <a:picLocks noChangeAspect="1"/>
+          </p:cNvPicPr>
+          <p:nvPr/>
+        </p:nvPicPr>
+        <p:blipFill>
+          <a:blip r:embed="rId2"/>
+          <a:stretch>
+            <a:fillRect/>
+          </a:stretch>
+        </p:blipFill>
+        <p:spPr>
+          <a:xfrm>
+            <a:off x="3259093" y="2623332"/>
+            <a:ext cx="5210175" cy="581025"/>
+          </a:xfrm>
+          <a:prstGeom prst="rect">
+            <a:avLst/>
+          </a:prstGeom>
+        </p:spPr>
+      </p:pic>
+      <p:pic>
+        <p:nvPicPr>
+          <p:cNvPr id="5" name="Picture 4"/>
+          <p:cNvPicPr>
+            <a:picLocks noChangeAspect="1"/>
+          </p:cNvPicPr>
+          <p:nvPr/>
+        </p:nvPicPr>
+        <p:blipFill>
+          <a:blip r:embed="rId3"/>
+          <a:stretch>
+            <a:fillRect/>
+          </a:stretch>
+        </p:blipFill>
+        <p:spPr>
+          <a:xfrm>
+            <a:off x="3259093" y="3831911"/>
+            <a:ext cx="2266950" cy="381000"/>
+          </a:xfrm>
+          <a:prstGeom prst="rect">
+            <a:avLst/>
+          </a:prstGeom>
+        </p:spPr>
+      </p:pic>
+    </p:spTree>
+    <p:extLst>
+      <p:ext uri="{BB962C8B-B14F-4D97-AF65-F5344CB8AC3E}">
+        <p14:creationId xmlns:p14="http://schemas.microsoft.com/office/powerpoint/2010/main" val="1820621440"/>
       </p:ext>
     </p:extLst>
   </p:cSld>
